--- a/AWS進格勉強efwLambdaServlet編v0.1.pptx
+++ b/AWS進格勉強efwLambdaServlet編v0.1.pptx
@@ -337,7 +337,7 @@
               <a:pPr>
                 <a:defRPr/>
               </a:pPr>
-              <a:t>2021/6/1</a:t>
+              <a:t>2021/6/2</a:t>
             </a:fld>
             <a:endParaRPr lang="en-US" altLang="ja-JP"/>
           </a:p>
@@ -639,7 +639,7 @@
               <a:pPr>
                 <a:defRPr/>
               </a:pPr>
-              <a:t>2021/6/1</a:t>
+              <a:t>2021/6/2</a:t>
             </a:fld>
             <a:endParaRPr lang="en-US" altLang="ja-JP"/>
           </a:p>
@@ -5393,12 +5393,12 @@
               <a:buNone/>
             </a:pPr>
             <a:r>
-              <a:rPr lang="en-US" altLang="ja-JP" sz="2400" dirty="0" smtClean="0">
-                <a:latin typeface="Meiryo UI" panose="020B0604030504040204" pitchFamily="50" charset="-128"/>
-                <a:ea typeface="Meiryo UI" panose="020B0604030504040204" pitchFamily="50" charset="-128"/>
-                <a:cs typeface="Meiryo UI" panose="020B0604030504040204" pitchFamily="50" charset="-128"/>
-              </a:rPr>
-              <a:t>2021.05.17</a:t>
+              <a:rPr lang="en-US" altLang="ja-JP" sz="2400" smtClean="0">
+                <a:latin typeface="Meiryo UI" panose="020B0604030504040204" pitchFamily="50" charset="-128"/>
+                <a:ea typeface="Meiryo UI" panose="020B0604030504040204" pitchFamily="50" charset="-128"/>
+                <a:cs typeface="Meiryo UI" panose="020B0604030504040204" pitchFamily="50" charset="-128"/>
+              </a:rPr>
+              <a:t>2021.06.01</a:t>
             </a:r>
             <a:endParaRPr lang="ja-JP" altLang="en-US" sz="2400" dirty="0">
               <a:latin typeface="Meiryo UI" panose="020B0604030504040204" pitchFamily="50" charset="-128"/>
@@ -5715,15 +5715,7 @@
                 <a:ea typeface="Meiryo UI" pitchFamily="50" charset="-128"/>
                 <a:cs typeface="Meiryo UI" pitchFamily="50" charset="-128"/>
               </a:rPr>
-              <a:t>４</a:t>
-            </a:r>
-            <a:r>
-              <a:rPr lang="ja-JP" altLang="en-US" sz="1500" dirty="0" smtClean="0">
-                <a:latin typeface="Meiryo UI" pitchFamily="50" charset="-128"/>
-                <a:ea typeface="Meiryo UI" pitchFamily="50" charset="-128"/>
-                <a:cs typeface="Meiryo UI" pitchFamily="50" charset="-128"/>
-              </a:rPr>
-              <a:t>、課題と検討</a:t>
+              <a:t>４、課題と検討</a:t>
             </a:r>
             <a:endParaRPr lang="ja-JP" altLang="en-US" sz="1500" dirty="0">
               <a:latin typeface="Meiryo UI" pitchFamily="50" charset="-128"/>
@@ -6167,15 +6159,7 @@
                 <a:ea typeface="Meiryo UI" pitchFamily="50" charset="-128"/>
                 <a:cs typeface="Meiryo UI" pitchFamily="50" charset="-128"/>
               </a:rPr>
-              <a:t>１</a:t>
-            </a:r>
-            <a:r>
-              <a:rPr lang="ja-JP" altLang="en-US" sz="2000" dirty="0" smtClean="0">
-                <a:latin typeface="Meiryo UI" pitchFamily="50" charset="-128"/>
-                <a:ea typeface="Meiryo UI" pitchFamily="50" charset="-128"/>
-                <a:cs typeface="Meiryo UI" pitchFamily="50" charset="-128"/>
-              </a:rPr>
-              <a:t>，</a:t>
+              <a:t>１，</a:t>
             </a:r>
             <a:r>
               <a:rPr lang="en-US" altLang="ja-JP" sz="2000" dirty="0" smtClean="0">
@@ -7499,11 +7483,7 @@
                     <a:p>
                       <a:r>
                         <a:rPr kumimoji="1" lang="ja-JP" altLang="en-US" dirty="0" smtClean="0"/>
-                        <a:t>画面権限</a:t>
-                      </a:r>
-                      <a:r>
-                        <a:rPr kumimoji="1" lang="ja-JP" altLang="en-US" dirty="0" smtClean="0"/>
-                        <a:t>チェックのフィルター</a:t>
+                        <a:t>画面権限チェックのフィルター</a:t>
                       </a:r>
                       <a:endParaRPr kumimoji="1" lang="ja-JP" altLang="en-US" dirty="0"/>
                     </a:p>
@@ -14508,18 +14488,7 @@
                 <a:ea typeface="Meiryo UI" pitchFamily="50" charset="-128"/>
                 <a:cs typeface="Meiryo UI" pitchFamily="50" charset="-128"/>
               </a:rPr>
-              <a:t>に</a:t>
-            </a:r>
-            <a:r>
-              <a:rPr lang="ja-JP" altLang="en-US" sz="2800" dirty="0" smtClean="0">
-                <a:solidFill>
-                  <a:schemeClr val="tx2"/>
-                </a:solidFill>
-                <a:latin typeface="Meiryo UI" pitchFamily="50" charset="-128"/>
-                <a:ea typeface="Meiryo UI" pitchFamily="50" charset="-128"/>
-                <a:cs typeface="Meiryo UI" pitchFamily="50" charset="-128"/>
-              </a:rPr>
-              <a:t>ついて</a:t>
+              <a:t>について</a:t>
             </a:r>
             <a:endParaRPr lang="ja-JP" altLang="en-US" sz="2800" dirty="0">
               <a:solidFill>
@@ -16010,18 +15979,7 @@
                 <a:ea typeface="Meiryo UI" pitchFamily="50" charset="-128"/>
                 <a:cs typeface="Meiryo UI" pitchFamily="50" charset="-128"/>
               </a:rPr>
-              <a:t>３．</a:t>
-            </a:r>
-            <a:r>
-              <a:rPr lang="ja-JP" altLang="en-US" sz="2800" dirty="0" smtClean="0">
-                <a:solidFill>
-                  <a:schemeClr val="tx2"/>
-                </a:solidFill>
-                <a:latin typeface="Meiryo UI" pitchFamily="50" charset="-128"/>
-                <a:ea typeface="Meiryo UI" pitchFamily="50" charset="-128"/>
-                <a:cs typeface="Meiryo UI" pitchFamily="50" charset="-128"/>
-              </a:rPr>
-              <a:t>システム構成図</a:t>
+              <a:t>３．システム構成図</a:t>
             </a:r>
             <a:endParaRPr lang="ja-JP" altLang="en-US" sz="2800" dirty="0">
               <a:solidFill>
